--- a/Project Presentation.pptx
+++ b/Project Presentation.pptx
@@ -4526,8 +4526,19 @@
             </a:pPr>
             <a:r>
               <a:rPr lang="en"/>
-              <a:t>Users’ will require less effort to remember passwords</a:t>
+              <a:t>Less effort to remember passwords</a:t>
             </a:r>
+          </a:p>
+          <a:p>
+            <a:pPr indent="-228600" lvl="0" marL="457200" rtl="0">
+              <a:spcBef>
+                <a:spcPts val="0"/>
+              </a:spcBef>
+            </a:pPr>
+            <a:r>
+              <a:t/>
+            </a:r>
+            <a:endParaRPr/>
           </a:p>
         </p:txBody>
       </p:sp>
@@ -4644,7 +4655,7 @@
             </a:pPr>
             <a:r>
               <a:rPr lang="en"/>
-              <a:t>Passwords cater to user requirements (i.e. uppercase, numbers, characters)</a:t>
+              <a:t>Passwords cater to user requirements</a:t>
             </a:r>
           </a:p>
           <a:p>
@@ -4655,7 +4666,7 @@
             </a:pPr>
             <a:r>
               <a:rPr lang="en"/>
-              <a:t>Passwords will have a corresponding name, for user to know which account the password is for</a:t>
+              <a:t>Passwords correspond with account names</a:t>
             </a:r>
           </a:p>
           <a:p>
@@ -4666,7 +4677,51 @@
             </a:pPr>
             <a:r>
               <a:rPr lang="en"/>
-              <a:t>Delete </a:t>
+              <a:t>Create and delete accounts</a:t>
+            </a:r>
+          </a:p>
+          <a:p>
+            <a:pPr indent="-228600" lvl="0" marL="457200" rtl="0">
+              <a:spcBef>
+                <a:spcPts val="0"/>
+              </a:spcBef>
+            </a:pPr>
+            <a:r>
+              <a:rPr lang="en"/>
+              <a:t>Security answers</a:t>
+            </a:r>
+          </a:p>
+          <a:p>
+            <a:pPr indent="-228600" lvl="0" marL="457200" rtl="0">
+              <a:spcBef>
+                <a:spcPts val="0"/>
+              </a:spcBef>
+            </a:pPr>
+            <a:r>
+              <a:rPr lang="en"/>
+              <a:t>Can update account/password info</a:t>
+            </a:r>
+          </a:p>
+          <a:p>
+            <a:pPr indent="-228600" lvl="0" marL="457200" rtl="0">
+              <a:spcBef>
+                <a:spcPts val="0"/>
+              </a:spcBef>
+            </a:pPr>
+            <a:r>
+              <a:rPr lang="en"/>
+              <a:t>Must re-enter password every time app is opened</a:t>
+            </a:r>
+          </a:p>
+          <a:p>
+            <a:pPr indent="-228600" lvl="0" marL="457200" rtl="0">
+              <a:spcBef>
+                <a:spcPts val="0"/>
+              </a:spcBef>
+            </a:pPr>
+            <a:r>
+              <a:rPr lang="en"/>
+              <a:t>No internet access required</a:t>
             </a:r>
           </a:p>
         </p:txBody>
@@ -4981,11 +5036,71 @@
           </a:bodyPr>
           <a:lstStyle/>
           <a:p>
-            <a:pPr lvl="0">
-              <a:spcBef>
-                <a:spcPts val="0"/>
-              </a:spcBef>
-              <a:buNone/>
+            <a:pPr indent="-304800" lvl="0" marL="457200" rtl="0">
+              <a:spcBef>
+                <a:spcPts val="0"/>
+              </a:spcBef>
+              <a:buSzPct val="66666"/>
+            </a:pPr>
+            <a:r>
+              <a:rPr lang="en"/>
+              <a:t>Android UI</a:t>
+            </a:r>
+          </a:p>
+          <a:p>
+            <a:pPr indent="-304800" lvl="0" marL="457200" rtl="0">
+              <a:spcBef>
+                <a:spcPts val="0"/>
+              </a:spcBef>
+              <a:buSzPct val="66666"/>
+            </a:pPr>
+            <a:r>
+              <a:rPr lang="en"/>
+              <a:t>SQL</a:t>
+            </a:r>
+          </a:p>
+          <a:p>
+            <a:pPr indent="-304800" lvl="0" marL="457200" rtl="0">
+              <a:spcBef>
+                <a:spcPts val="0"/>
+              </a:spcBef>
+              <a:buSzPct val="66666"/>
+            </a:pPr>
+            <a:r>
+              <a:rPr lang="en"/>
+              <a:t>JUnit testing</a:t>
+            </a:r>
+          </a:p>
+          <a:p>
+            <a:pPr indent="-304800" lvl="0" marL="457200" rtl="0">
+              <a:spcBef>
+                <a:spcPts val="0"/>
+              </a:spcBef>
+              <a:buSzPct val="66666"/>
+            </a:pPr>
+            <a:r>
+              <a:rPr lang="en"/>
+              <a:t>UI Testing</a:t>
+            </a:r>
+          </a:p>
+          <a:p>
+            <a:pPr indent="-304800" lvl="0" marL="457200" rtl="0">
+              <a:spcBef>
+                <a:spcPts val="0"/>
+              </a:spcBef>
+              <a:buSzPct val="66666"/>
+            </a:pPr>
+            <a:r>
+              <a:rPr lang="en"/>
+              <a:t>Project Management</a:t>
+            </a:r>
+          </a:p>
+          <a:p>
+            <a:pPr indent="-304800" lvl="0" marL="457200" rtl="0">
+              <a:spcBef>
+                <a:spcPts val="0"/>
+              </a:spcBef>
+              <a:buSzPct val="66666"/>
             </a:pPr>
             <a:r>
               <a:t/>
@@ -5050,7 +5165,7 @@
             </a:pPr>
             <a:r>
               <a:rPr lang="en"/>
-              <a:t>Promoting (andrew)</a:t>
+              <a:t>Marketing (potential ideas) (andrew)</a:t>
             </a:r>
           </a:p>
         </p:txBody>
@@ -5096,7 +5211,7 @@
             </a:pPr>
             <a:r>
               <a:rPr lang="en"/>
-              <a:t>Easy to install</a:t>
+              <a:t>Promo videos</a:t>
             </a:r>
           </a:p>
           <a:p>
@@ -5107,7 +5222,73 @@
             </a:pPr>
             <a:r>
               <a:rPr lang="en"/>
-              <a:t>Will help secure multiple passwords</a:t>
+              <a:t>Sharing on Facebook</a:t>
+            </a:r>
+          </a:p>
+          <a:p>
+            <a:pPr indent="-228600" lvl="0" marL="457200" rtl="0">
+              <a:spcBef>
+                <a:spcPts val="0"/>
+              </a:spcBef>
+            </a:pPr>
+            <a:r>
+              <a:rPr lang="en"/>
+              <a:t>Google App Store</a:t>
+            </a:r>
+          </a:p>
+          <a:p>
+            <a:pPr indent="-228600" lvl="0" marL="457200" rtl="0">
+              <a:spcBef>
+                <a:spcPts val="0"/>
+              </a:spcBef>
+            </a:pPr>
+            <a:r>
+              <a:rPr lang="en"/>
+              <a:t>App Store Optimization</a:t>
+            </a:r>
+          </a:p>
+          <a:p>
+            <a:pPr indent="-228600" lvl="0" marL="457200" rtl="0">
+              <a:spcBef>
+                <a:spcPts val="0"/>
+              </a:spcBef>
+            </a:pPr>
+            <a:r>
+              <a:rPr lang="en"/>
+              <a:t>Build a website</a:t>
+            </a:r>
+          </a:p>
+          <a:p>
+            <a:pPr indent="-228600" lvl="0" marL="457200" rtl="0">
+              <a:spcBef>
+                <a:spcPts val="0"/>
+              </a:spcBef>
+            </a:pPr>
+            <a:r>
+              <a:rPr lang="en"/>
+              <a:t>Send to tech bloggers</a:t>
+            </a:r>
+          </a:p>
+          <a:p>
+            <a:pPr indent="-228600" lvl="0" marL="457200" rtl="0">
+              <a:spcBef>
+                <a:spcPts val="0"/>
+              </a:spcBef>
+            </a:pPr>
+            <a:r>
+              <a:rPr lang="en"/>
+              <a:t>Weekly podcast</a:t>
+            </a:r>
+          </a:p>
+          <a:p>
+            <a:pPr indent="-228600" lvl="0" marL="457200" rtl="0">
+              <a:spcBef>
+                <a:spcPts val="0"/>
+              </a:spcBef>
+            </a:pPr>
+            <a:r>
+              <a:rPr lang="en"/>
+              <a:t>Create Facebook page</a:t>
             </a:r>
           </a:p>
         </p:txBody>
@@ -5121,6 +5302,285 @@
 </file>
 
 <file path=ppt/theme/theme1.xml><?xml version="1.0" encoding="utf-8"?>
+<a:theme xmlns:a="http://schemas.openxmlformats.org/drawingml/2006/main" xmlns:r="http://schemas.openxmlformats.org/officeDocument/2006/relationships" name="simple-light-2">
+  <a:themeElements>
+    <a:clrScheme name="Simple Light">
+      <a:dk1>
+        <a:srgbClr val="000000"/>
+      </a:dk1>
+      <a:lt1>
+        <a:srgbClr val="FFFFFF"/>
+      </a:lt1>
+      <a:dk2>
+        <a:srgbClr val="595959"/>
+      </a:dk2>
+      <a:lt2>
+        <a:srgbClr val="EEEEEE"/>
+      </a:lt2>
+      <a:accent1>
+        <a:srgbClr val="FFAB40"/>
+      </a:accent1>
+      <a:accent2>
+        <a:srgbClr val="212121"/>
+      </a:accent2>
+      <a:accent3>
+        <a:srgbClr val="78909C"/>
+      </a:accent3>
+      <a:accent4>
+        <a:srgbClr val="FFAB40"/>
+      </a:accent4>
+      <a:accent5>
+        <a:srgbClr val="0097A7"/>
+      </a:accent5>
+      <a:accent6>
+        <a:srgbClr val="EEFF41"/>
+      </a:accent6>
+      <a:hlink>
+        <a:srgbClr val="0097A7"/>
+      </a:hlink>
+      <a:folHlink>
+        <a:srgbClr val="0097A7"/>
+      </a:folHlink>
+    </a:clrScheme>
+    <a:fontScheme name="Office">
+      <a:majorFont>
+        <a:latin typeface="Arial"/>
+        <a:ea typeface=""/>
+        <a:cs typeface=""/>
+        <a:font script="Jpan" typeface="ＭＳ Ｐゴシック"/>
+        <a:font script="Hang" typeface="맑은 고딕"/>
+        <a:font script="Hans" typeface="宋体"/>
+        <a:font script="Hant" typeface="新細明體"/>
+        <a:font script="Arab" typeface="Times New Roman"/>
+        <a:font script="Hebr" typeface="Times New Roman"/>
+        <a:font script="Thai" typeface="Angsana New"/>
+        <a:font script="Ethi" typeface="Nyala"/>
+        <a:font script="Beng" typeface="Vrinda"/>
+        <a:font script="Gujr" typeface="Shruti"/>
+        <a:font script="Khmr" typeface="MoolBoran"/>
+        <a:font script="Knda" typeface="Tunga"/>
+        <a:font script="Guru" typeface="Raavi"/>
+        <a:font script="Cans" typeface="Euphemia"/>
+        <a:font script="Cher" typeface="Plantagenet Cherokee"/>
+        <a:font script="Yiii" typeface="Microsoft Yi Baiti"/>
+        <a:font script="Tibt" typeface="Microsoft Himalaya"/>
+        <a:font script="Thaa" typeface="MV Boli"/>
+        <a:font script="Deva" typeface="Mangal"/>
+        <a:font script="Telu" typeface="Gautami"/>
+        <a:font script="Taml" typeface="Latha"/>
+        <a:font script="Syrc" typeface="Estrangelo Edessa"/>
+        <a:font script="Orya" typeface="Kalinga"/>
+        <a:font script="Mlym" typeface="Kartika"/>
+        <a:font script="Laoo" typeface="DokChampa"/>
+        <a:font script="Sinh" typeface="Iskoola Pota"/>
+        <a:font script="Mong" typeface="Mongolian Baiti"/>
+        <a:font script="Viet" typeface="Times New Roman"/>
+        <a:font script="Uigh" typeface="Microsoft Uighur"/>
+        <a:font script="Geor" typeface="Sylfaen"/>
+      </a:majorFont>
+      <a:minorFont>
+        <a:latin typeface="Arial"/>
+        <a:ea typeface=""/>
+        <a:cs typeface=""/>
+        <a:font script="Jpan" typeface="ＭＳ Ｐゴシック"/>
+        <a:font script="Hang" typeface="맑은 고딕"/>
+        <a:font script="Hans" typeface="宋体"/>
+        <a:font script="Hant" typeface="新細明體"/>
+        <a:font script="Arab" typeface="Arial"/>
+        <a:font script="Hebr" typeface="Arial"/>
+        <a:font script="Thai" typeface="Cordia New"/>
+        <a:font script="Ethi" typeface="Nyala"/>
+        <a:font script="Beng" typeface="Vrinda"/>
+        <a:font script="Gujr" typeface="Shruti"/>
+        <a:font script="Khmr" typeface="DaunPenh"/>
+        <a:font script="Knda" typeface="Tunga"/>
+        <a:font script="Guru" typeface="Raavi"/>
+        <a:font script="Cans" typeface="Euphemia"/>
+        <a:font script="Cher" typeface="Plantagenet Cherokee"/>
+        <a:font script="Yiii" typeface="Microsoft Yi Baiti"/>
+        <a:font script="Tibt" typeface="Microsoft Himalaya"/>
+        <a:font script="Thaa" typeface="MV Boli"/>
+        <a:font script="Deva" typeface="Mangal"/>
+        <a:font script="Telu" typeface="Gautami"/>
+        <a:font script="Taml" typeface="Latha"/>
+        <a:font script="Syrc" typeface="Estrangelo Edessa"/>
+        <a:font script="Orya" typeface="Kalinga"/>
+        <a:font script="Mlym" typeface="Kartika"/>
+        <a:font script="Laoo" typeface="DokChampa"/>
+        <a:font script="Sinh" typeface="Iskoola Pota"/>
+        <a:font script="Mong" typeface="Mongolian Baiti"/>
+        <a:font script="Viet" typeface="Arial"/>
+        <a:font script="Uigh" typeface="Microsoft Uighur"/>
+        <a:font script="Geor" typeface="Sylfaen"/>
+      </a:minorFont>
+    </a:fontScheme>
+    <a:fmtScheme name="Office">
+      <a:fillStyleLst>
+        <a:solidFill>
+          <a:schemeClr val="phClr"/>
+        </a:solidFill>
+        <a:gradFill rotWithShape="1">
+          <a:gsLst>
+            <a:gs pos="0">
+              <a:schemeClr val="phClr">
+                <a:tint val="50000"/>
+                <a:satMod val="300000"/>
+              </a:schemeClr>
+            </a:gs>
+            <a:gs pos="35000">
+              <a:schemeClr val="phClr">
+                <a:tint val="37000"/>
+                <a:satMod val="300000"/>
+              </a:schemeClr>
+            </a:gs>
+            <a:gs pos="100000">
+              <a:schemeClr val="phClr">
+                <a:tint val="15000"/>
+                <a:satMod val="350000"/>
+              </a:schemeClr>
+            </a:gs>
+          </a:gsLst>
+          <a:lin ang="16200000" scaled="1"/>
+        </a:gradFill>
+        <a:gradFill rotWithShape="1">
+          <a:gsLst>
+            <a:gs pos="0">
+              <a:schemeClr val="phClr">
+                <a:tint val="100000"/>
+                <a:shade val="100000"/>
+                <a:satMod val="130000"/>
+              </a:schemeClr>
+            </a:gs>
+            <a:gs pos="100000">
+              <a:schemeClr val="phClr">
+                <a:tint val="50000"/>
+                <a:shade val="100000"/>
+                <a:satMod val="350000"/>
+              </a:schemeClr>
+            </a:gs>
+          </a:gsLst>
+          <a:lin ang="16200000" scaled="0"/>
+        </a:gradFill>
+      </a:fillStyleLst>
+      <a:lnStyleLst>
+        <a:ln w="9525" cap="flat" cmpd="sng" algn="ctr">
+          <a:solidFill>
+            <a:schemeClr val="phClr">
+              <a:shade val="95000"/>
+              <a:satMod val="105000"/>
+            </a:schemeClr>
+          </a:solidFill>
+          <a:prstDash val="solid"/>
+        </a:ln>
+        <a:ln w="25400" cap="flat" cmpd="sng" algn="ctr">
+          <a:solidFill>
+            <a:schemeClr val="phClr"/>
+          </a:solidFill>
+          <a:prstDash val="solid"/>
+        </a:ln>
+        <a:ln w="38100" cap="flat" cmpd="sng" algn="ctr">
+          <a:solidFill>
+            <a:schemeClr val="phClr"/>
+          </a:solidFill>
+          <a:prstDash val="solid"/>
+        </a:ln>
+      </a:lnStyleLst>
+      <a:effectStyleLst>
+        <a:effectStyle>
+          <a:effectLst>
+            <a:outerShdw blurRad="40000" dist="20000" dir="5400000" rotWithShape="0">
+              <a:srgbClr val="000000">
+                <a:alpha val="38000"/>
+              </a:srgbClr>
+            </a:outerShdw>
+          </a:effectLst>
+        </a:effectStyle>
+        <a:effectStyle>
+          <a:effectLst>
+            <a:outerShdw blurRad="40000" dist="23000" dir="5400000" rotWithShape="0">
+              <a:srgbClr val="000000">
+                <a:alpha val="35000"/>
+              </a:srgbClr>
+            </a:outerShdw>
+          </a:effectLst>
+        </a:effectStyle>
+        <a:effectStyle>
+          <a:effectLst>
+            <a:outerShdw blurRad="40000" dist="23000" dir="5400000" rotWithShape="0">
+              <a:srgbClr val="000000">
+                <a:alpha val="35000"/>
+              </a:srgbClr>
+            </a:outerShdw>
+          </a:effectLst>
+          <a:scene3d>
+            <a:camera prst="orthographicFront">
+              <a:rot lat="0" lon="0" rev="0"/>
+            </a:camera>
+            <a:lightRig rig="threePt" dir="t">
+              <a:rot lat="0" lon="0" rev="1200000"/>
+            </a:lightRig>
+          </a:scene3d>
+          <a:sp3d>
+            <a:bevelT w="63500" h="25400"/>
+          </a:sp3d>
+        </a:effectStyle>
+      </a:effectStyleLst>
+      <a:bgFillStyleLst>
+        <a:solidFill>
+          <a:schemeClr val="phClr"/>
+        </a:solidFill>
+        <a:gradFill rotWithShape="1">
+          <a:gsLst>
+            <a:gs pos="0">
+              <a:schemeClr val="phClr">
+                <a:tint val="40000"/>
+                <a:satMod val="350000"/>
+              </a:schemeClr>
+            </a:gs>
+            <a:gs pos="40000">
+              <a:schemeClr val="phClr">
+                <a:tint val="45000"/>
+                <a:shade val="99000"/>
+                <a:satMod val="350000"/>
+              </a:schemeClr>
+            </a:gs>
+            <a:gs pos="100000">
+              <a:schemeClr val="phClr">
+                <a:shade val="20000"/>
+                <a:satMod val="255000"/>
+              </a:schemeClr>
+            </a:gs>
+          </a:gsLst>
+          <a:path path="circle">
+            <a:fillToRect l="50000" t="-80000" r="50000" b="180000"/>
+          </a:path>
+        </a:gradFill>
+        <a:gradFill rotWithShape="1">
+          <a:gsLst>
+            <a:gs pos="0">
+              <a:schemeClr val="phClr">
+                <a:tint val="80000"/>
+                <a:satMod val="300000"/>
+              </a:schemeClr>
+            </a:gs>
+            <a:gs pos="100000">
+              <a:schemeClr val="phClr">
+                <a:shade val="30000"/>
+                <a:satMod val="200000"/>
+              </a:schemeClr>
+            </a:gs>
+          </a:gsLst>
+          <a:path path="circle">
+            <a:fillToRect l="50000" t="50000" r="50000" b="50000"/>
+          </a:path>
+        </a:gradFill>
+      </a:bgFillStyleLst>
+    </a:fmtScheme>
+  </a:themeElements>
+</a:theme>
+</file>
+
+<file path=ppt/theme/theme2.xml><?xml version="1.0" encoding="utf-8"?>
 <a:theme xmlns:a="http://schemas.openxmlformats.org/drawingml/2006/main" xmlns:r="http://schemas.openxmlformats.org/officeDocument/2006/relationships" name="Custom Theme">
   <a:themeElements>
     <a:clrScheme name="Default">
@@ -5397,283 +5857,4 @@
     </a:fmtScheme>
   </a:themeElements>
 </a:theme>
-</file>
-
-<file path=ppt/theme/theme2.xml><?xml version="1.0" encoding="utf-8"?>
-<a:theme xmlns:a="http://schemas.openxmlformats.org/drawingml/2006/main" xmlns:r="http://schemas.openxmlformats.org/officeDocument/2006/relationships" name="simple-light-2">
-  <a:themeElements>
-    <a:clrScheme name="Simple Light">
-      <a:dk1>
-        <a:srgbClr val="000000"/>
-      </a:dk1>
-      <a:lt1>
-        <a:srgbClr val="FFFFFF"/>
-      </a:lt1>
-      <a:dk2>
-        <a:srgbClr val="595959"/>
-      </a:dk2>
-      <a:lt2>
-        <a:srgbClr val="EEEEEE"/>
-      </a:lt2>
-      <a:accent1>
-        <a:srgbClr val="FFAB40"/>
-      </a:accent1>
-      <a:accent2>
-        <a:srgbClr val="212121"/>
-      </a:accent2>
-      <a:accent3>
-        <a:srgbClr val="78909C"/>
-      </a:accent3>
-      <a:accent4>
-        <a:srgbClr val="FFAB40"/>
-      </a:accent4>
-      <a:accent5>
-        <a:srgbClr val="0097A7"/>
-      </a:accent5>
-      <a:accent6>
-        <a:srgbClr val="EEFF41"/>
-      </a:accent6>
-      <a:hlink>
-        <a:srgbClr val="0097A7"/>
-      </a:hlink>
-      <a:folHlink>
-        <a:srgbClr val="0097A7"/>
-      </a:folHlink>
-    </a:clrScheme>
-    <a:fontScheme name="Office">
-      <a:majorFont>
-        <a:latin typeface="Arial"/>
-        <a:ea typeface=""/>
-        <a:cs typeface=""/>
-        <a:font script="Jpan" typeface="ＭＳ Ｐゴシック"/>
-        <a:font script="Hang" typeface="맑은 고딕"/>
-        <a:font script="Hans" typeface="宋体"/>
-        <a:font script="Hant" typeface="新細明體"/>
-        <a:font script="Arab" typeface="Times New Roman"/>
-        <a:font script="Hebr" typeface="Times New Roman"/>
-        <a:font script="Thai" typeface="Angsana New"/>
-        <a:font script="Ethi" typeface="Nyala"/>
-        <a:font script="Beng" typeface="Vrinda"/>
-        <a:font script="Gujr" typeface="Shruti"/>
-        <a:font script="Khmr" typeface="MoolBoran"/>
-        <a:font script="Knda" typeface="Tunga"/>
-        <a:font script="Guru" typeface="Raavi"/>
-        <a:font script="Cans" typeface="Euphemia"/>
-        <a:font script="Cher" typeface="Plantagenet Cherokee"/>
-        <a:font script="Yiii" typeface="Microsoft Yi Baiti"/>
-        <a:font script="Tibt" typeface="Microsoft Himalaya"/>
-        <a:font script="Thaa" typeface="MV Boli"/>
-        <a:font script="Deva" typeface="Mangal"/>
-        <a:font script="Telu" typeface="Gautami"/>
-        <a:font script="Taml" typeface="Latha"/>
-        <a:font script="Syrc" typeface="Estrangelo Edessa"/>
-        <a:font script="Orya" typeface="Kalinga"/>
-        <a:font script="Mlym" typeface="Kartika"/>
-        <a:font script="Laoo" typeface="DokChampa"/>
-        <a:font script="Sinh" typeface="Iskoola Pota"/>
-        <a:font script="Mong" typeface="Mongolian Baiti"/>
-        <a:font script="Viet" typeface="Times New Roman"/>
-        <a:font script="Uigh" typeface="Microsoft Uighur"/>
-        <a:font script="Geor" typeface="Sylfaen"/>
-      </a:majorFont>
-      <a:minorFont>
-        <a:latin typeface="Arial"/>
-        <a:ea typeface=""/>
-        <a:cs typeface=""/>
-        <a:font script="Jpan" typeface="ＭＳ Ｐゴシック"/>
-        <a:font script="Hang" typeface="맑은 고딕"/>
-        <a:font script="Hans" typeface="宋体"/>
-        <a:font script="Hant" typeface="新細明體"/>
-        <a:font script="Arab" typeface="Arial"/>
-        <a:font script="Hebr" typeface="Arial"/>
-        <a:font script="Thai" typeface="Cordia New"/>
-        <a:font script="Ethi" typeface="Nyala"/>
-        <a:font script="Beng" typeface="Vrinda"/>
-        <a:font script="Gujr" typeface="Shruti"/>
-        <a:font script="Khmr" typeface="DaunPenh"/>
-        <a:font script="Knda" typeface="Tunga"/>
-        <a:font script="Guru" typeface="Raavi"/>
-        <a:font script="Cans" typeface="Euphemia"/>
-        <a:font script="Cher" typeface="Plantagenet Cherokee"/>
-        <a:font script="Yiii" typeface="Microsoft Yi Baiti"/>
-        <a:font script="Tibt" typeface="Microsoft Himalaya"/>
-        <a:font script="Thaa" typeface="MV Boli"/>
-        <a:font script="Deva" typeface="Mangal"/>
-        <a:font script="Telu" typeface="Gautami"/>
-        <a:font script="Taml" typeface="Latha"/>
-        <a:font script="Syrc" typeface="Estrangelo Edessa"/>
-        <a:font script="Orya" typeface="Kalinga"/>
-        <a:font script="Mlym" typeface="Kartika"/>
-        <a:font script="Laoo" typeface="DokChampa"/>
-        <a:font script="Sinh" typeface="Iskoola Pota"/>
-        <a:font script="Mong" typeface="Mongolian Baiti"/>
-        <a:font script="Viet" typeface="Arial"/>
-        <a:font script="Uigh" typeface="Microsoft Uighur"/>
-        <a:font script="Geor" typeface="Sylfaen"/>
-      </a:minorFont>
-    </a:fontScheme>
-    <a:fmtScheme name="Office">
-      <a:fillStyleLst>
-        <a:solidFill>
-          <a:schemeClr val="phClr"/>
-        </a:solidFill>
-        <a:gradFill rotWithShape="1">
-          <a:gsLst>
-            <a:gs pos="0">
-              <a:schemeClr val="phClr">
-                <a:tint val="50000"/>
-                <a:satMod val="300000"/>
-              </a:schemeClr>
-            </a:gs>
-            <a:gs pos="35000">
-              <a:schemeClr val="phClr">
-                <a:tint val="37000"/>
-                <a:satMod val="300000"/>
-              </a:schemeClr>
-            </a:gs>
-            <a:gs pos="100000">
-              <a:schemeClr val="phClr">
-                <a:tint val="15000"/>
-                <a:satMod val="350000"/>
-              </a:schemeClr>
-            </a:gs>
-          </a:gsLst>
-          <a:lin ang="16200000" scaled="1"/>
-        </a:gradFill>
-        <a:gradFill rotWithShape="1">
-          <a:gsLst>
-            <a:gs pos="0">
-              <a:schemeClr val="phClr">
-                <a:tint val="100000"/>
-                <a:shade val="100000"/>
-                <a:satMod val="130000"/>
-              </a:schemeClr>
-            </a:gs>
-            <a:gs pos="100000">
-              <a:schemeClr val="phClr">
-                <a:tint val="50000"/>
-                <a:shade val="100000"/>
-                <a:satMod val="350000"/>
-              </a:schemeClr>
-            </a:gs>
-          </a:gsLst>
-          <a:lin ang="16200000" scaled="0"/>
-        </a:gradFill>
-      </a:fillStyleLst>
-      <a:lnStyleLst>
-        <a:ln w="9525" cap="flat" cmpd="sng" algn="ctr">
-          <a:solidFill>
-            <a:schemeClr val="phClr">
-              <a:shade val="95000"/>
-              <a:satMod val="105000"/>
-            </a:schemeClr>
-          </a:solidFill>
-          <a:prstDash val="solid"/>
-        </a:ln>
-        <a:ln w="25400" cap="flat" cmpd="sng" algn="ctr">
-          <a:solidFill>
-            <a:schemeClr val="phClr"/>
-          </a:solidFill>
-          <a:prstDash val="solid"/>
-        </a:ln>
-        <a:ln w="38100" cap="flat" cmpd="sng" algn="ctr">
-          <a:solidFill>
-            <a:schemeClr val="phClr"/>
-          </a:solidFill>
-          <a:prstDash val="solid"/>
-        </a:ln>
-      </a:lnStyleLst>
-      <a:effectStyleLst>
-        <a:effectStyle>
-          <a:effectLst>
-            <a:outerShdw blurRad="40000" dist="20000" dir="5400000" rotWithShape="0">
-              <a:srgbClr val="000000">
-                <a:alpha val="38000"/>
-              </a:srgbClr>
-            </a:outerShdw>
-          </a:effectLst>
-        </a:effectStyle>
-        <a:effectStyle>
-          <a:effectLst>
-            <a:outerShdw blurRad="40000" dist="23000" dir="5400000" rotWithShape="0">
-              <a:srgbClr val="000000">
-                <a:alpha val="35000"/>
-              </a:srgbClr>
-            </a:outerShdw>
-          </a:effectLst>
-        </a:effectStyle>
-        <a:effectStyle>
-          <a:effectLst>
-            <a:outerShdw blurRad="40000" dist="23000" dir="5400000" rotWithShape="0">
-              <a:srgbClr val="000000">
-                <a:alpha val="35000"/>
-              </a:srgbClr>
-            </a:outerShdw>
-          </a:effectLst>
-          <a:scene3d>
-            <a:camera prst="orthographicFront">
-              <a:rot lat="0" lon="0" rev="0"/>
-            </a:camera>
-            <a:lightRig rig="threePt" dir="t">
-              <a:rot lat="0" lon="0" rev="1200000"/>
-            </a:lightRig>
-          </a:scene3d>
-          <a:sp3d>
-            <a:bevelT w="63500" h="25400"/>
-          </a:sp3d>
-        </a:effectStyle>
-      </a:effectStyleLst>
-      <a:bgFillStyleLst>
-        <a:solidFill>
-          <a:schemeClr val="phClr"/>
-        </a:solidFill>
-        <a:gradFill rotWithShape="1">
-          <a:gsLst>
-            <a:gs pos="0">
-              <a:schemeClr val="phClr">
-                <a:tint val="40000"/>
-                <a:satMod val="350000"/>
-              </a:schemeClr>
-            </a:gs>
-            <a:gs pos="40000">
-              <a:schemeClr val="phClr">
-                <a:tint val="45000"/>
-                <a:shade val="99000"/>
-                <a:satMod val="350000"/>
-              </a:schemeClr>
-            </a:gs>
-            <a:gs pos="100000">
-              <a:schemeClr val="phClr">
-                <a:shade val="20000"/>
-                <a:satMod val="255000"/>
-              </a:schemeClr>
-            </a:gs>
-          </a:gsLst>
-          <a:path path="circle">
-            <a:fillToRect l="50000" t="-80000" r="50000" b="180000"/>
-          </a:path>
-        </a:gradFill>
-        <a:gradFill rotWithShape="1">
-          <a:gsLst>
-            <a:gs pos="0">
-              <a:schemeClr val="phClr">
-                <a:tint val="80000"/>
-                <a:satMod val="300000"/>
-              </a:schemeClr>
-            </a:gs>
-            <a:gs pos="100000">
-              <a:schemeClr val="phClr">
-                <a:shade val="30000"/>
-                <a:satMod val="200000"/>
-              </a:schemeClr>
-            </a:gs>
-          </a:gsLst>
-          <a:path path="circle">
-            <a:fillToRect l="50000" t="50000" r="50000" b="50000"/>
-          </a:path>
-        </a:gradFill>
-      </a:bgFillStyleLst>
-    </a:fmtScheme>
-  </a:themeElements>
-</a:theme>
 </file>
--- a/Project Presentation.pptx
+++ b/Project Presentation.pptx
@@ -576,7 +576,7 @@
   <p:cSld>
     <p:spTree>
       <p:nvGrpSpPr>
-        <p:cNvPr id="62" name="Shape 62"/>
+        <p:cNvPr id="63" name="Shape 63"/>
         <p:cNvGrpSpPr/>
         <p:nvPr/>
       </p:nvGrpSpPr>
@@ -590,7 +590,7 @@
       </p:grpSpPr>
       <p:sp>
         <p:nvSpPr>
-          <p:cNvPr id="63" name="Shape 63"/>
+          <p:cNvPr id="64" name="Shape 64"/>
           <p:cNvSpPr/>
           <p:nvPr>
             <p:ph idx="2" type="sldImg"/>
@@ -624,7 +624,7 @@
       </p:sp>
       <p:sp>
         <p:nvSpPr>
-          <p:cNvPr id="64" name="Shape 64"/>
+          <p:cNvPr id="65" name="Shape 65"/>
           <p:cNvSpPr txBox="1"/>
           <p:nvPr>
             <p:ph idx="1" type="body"/>
@@ -671,7 +671,7 @@
   <p:cSld>
     <p:spTree>
       <p:nvGrpSpPr>
-        <p:cNvPr id="68" name="Shape 68"/>
+        <p:cNvPr id="70" name="Shape 70"/>
         <p:cNvGrpSpPr/>
         <p:nvPr/>
       </p:nvGrpSpPr>
@@ -685,7 +685,7 @@
       </p:grpSpPr>
       <p:sp>
         <p:nvSpPr>
-          <p:cNvPr id="69" name="Shape 69"/>
+          <p:cNvPr id="71" name="Shape 71"/>
           <p:cNvSpPr/>
           <p:nvPr>
             <p:ph idx="2" type="sldImg"/>
@@ -719,7 +719,7 @@
       </p:sp>
       <p:sp>
         <p:nvSpPr>
-          <p:cNvPr id="70" name="Shape 70"/>
+          <p:cNvPr id="72" name="Shape 72"/>
           <p:cNvSpPr txBox="1"/>
           <p:nvPr>
             <p:ph idx="1" type="body"/>
@@ -766,7 +766,7 @@
   <p:cSld>
     <p:spTree>
       <p:nvGrpSpPr>
-        <p:cNvPr id="74" name="Shape 74"/>
+        <p:cNvPr id="80" name="Shape 80"/>
         <p:cNvGrpSpPr/>
         <p:nvPr/>
       </p:nvGrpSpPr>
@@ -780,7 +780,7 @@
       </p:grpSpPr>
       <p:sp>
         <p:nvSpPr>
-          <p:cNvPr id="75" name="Shape 75"/>
+          <p:cNvPr id="81" name="Shape 81"/>
           <p:cNvSpPr/>
           <p:nvPr>
             <p:ph idx="2" type="sldImg"/>
@@ -814,7 +814,7 @@
       </p:sp>
       <p:sp>
         <p:nvSpPr>
-          <p:cNvPr id="76" name="Shape 76"/>
+          <p:cNvPr id="82" name="Shape 82"/>
           <p:cNvSpPr txBox="1"/>
           <p:nvPr>
             <p:ph idx="1" type="body"/>
@@ -861,7 +861,7 @@
   <p:cSld>
     <p:spTree>
       <p:nvGrpSpPr>
-        <p:cNvPr id="80" name="Shape 80"/>
+        <p:cNvPr id="87" name="Shape 87"/>
         <p:cNvGrpSpPr/>
         <p:nvPr/>
       </p:nvGrpSpPr>
@@ -875,7 +875,7 @@
       </p:grpSpPr>
       <p:sp>
         <p:nvSpPr>
-          <p:cNvPr id="81" name="Shape 81"/>
+          <p:cNvPr id="88" name="Shape 88"/>
           <p:cNvSpPr/>
           <p:nvPr>
             <p:ph idx="2" type="sldImg"/>
@@ -909,7 +909,7 @@
       </p:sp>
       <p:sp>
         <p:nvSpPr>
-          <p:cNvPr id="82" name="Shape 82"/>
+          <p:cNvPr id="89" name="Shape 89"/>
           <p:cNvSpPr txBox="1"/>
           <p:nvPr>
             <p:ph idx="1" type="body"/>
@@ -956,7 +956,7 @@
   <p:cSld>
     <p:spTree>
       <p:nvGrpSpPr>
-        <p:cNvPr id="86" name="Shape 86"/>
+        <p:cNvPr id="95" name="Shape 95"/>
         <p:cNvGrpSpPr/>
         <p:nvPr/>
       </p:nvGrpSpPr>
@@ -970,7 +970,7 @@
       </p:grpSpPr>
       <p:sp>
         <p:nvSpPr>
-          <p:cNvPr id="87" name="Shape 87"/>
+          <p:cNvPr id="96" name="Shape 96"/>
           <p:cNvSpPr/>
           <p:nvPr>
             <p:ph idx="2" type="sldImg"/>
@@ -1004,7 +1004,7 @@
       </p:sp>
       <p:sp>
         <p:nvSpPr>
-          <p:cNvPr id="88" name="Shape 88"/>
+          <p:cNvPr id="97" name="Shape 97"/>
           <p:cNvSpPr txBox="1"/>
           <p:nvPr>
             <p:ph idx="1" type="body"/>
@@ -4515,7 +4515,7 @@
             </a:pPr>
             <a:r>
               <a:rPr lang="en"/>
-              <a:t>Increase password diversity without effort</a:t>
+              <a:t>Increase password diversity with minimal effort</a:t>
             </a:r>
           </a:p>
           <a:p>
@@ -4526,22 +4526,39 @@
             </a:pPr>
             <a:r>
               <a:rPr lang="en"/>
-              <a:t>Less effort to remember passwords</a:t>
+              <a:t>Generate account passwords</a:t>
             </a:r>
           </a:p>
-          <a:p>
-            <a:pPr indent="-228600" lvl="0" marL="457200" rtl="0">
-              <a:spcBef>
-                <a:spcPts val="0"/>
-              </a:spcBef>
-            </a:pPr>
-            <a:r>
-              <a:t/>
-            </a:r>
-            <a:endParaRPr/>
-          </a:p>
         </p:txBody>
       </p:sp>
+      <p:pic>
+        <p:nvPicPr>
+          <p:cNvPr id="62" name="Shape 62"/>
+          <p:cNvPicPr preferRelativeResize="0"/>
+          <p:nvPr/>
+        </p:nvPicPr>
+        <p:blipFill>
+          <a:blip r:embed="rId3">
+            <a:alphaModFix/>
+          </a:blip>
+          <a:stretch>
+            <a:fillRect/>
+          </a:stretch>
+        </p:blipFill>
+        <p:spPr>
+          <a:xfrm>
+            <a:off x="5850375" y="2457875"/>
+            <a:ext cx="2461649" cy="2222525"/>
+          </a:xfrm>
+          <a:prstGeom prst="rect">
+            <a:avLst/>
+          </a:prstGeom>
+          <a:noFill/>
+          <a:ln>
+            <a:noFill/>
+          </a:ln>
+        </p:spPr>
+      </p:pic>
     </p:spTree>
   </p:cSld>
   <p:clrMapOvr>
@@ -4555,7 +4572,7 @@
   <p:cSld>
     <p:spTree>
       <p:nvGrpSpPr>
-        <p:cNvPr id="65" name="Shape 65"/>
+        <p:cNvPr id="66" name="Shape 66"/>
         <p:cNvGrpSpPr/>
         <p:nvPr/>
       </p:nvGrpSpPr>
@@ -4569,7 +4586,7 @@
       </p:grpSpPr>
       <p:sp>
         <p:nvSpPr>
-          <p:cNvPr id="66" name="Shape 66"/>
+          <p:cNvPr id="67" name="Shape 67"/>
           <p:cNvSpPr txBox="1"/>
           <p:nvPr>
             <p:ph type="title"/>
@@ -4605,7 +4622,7 @@
       </p:sp>
       <p:sp>
         <p:nvSpPr>
-          <p:cNvPr id="67" name="Shape 67"/>
+          <p:cNvPr id="68" name="Shape 68"/>
           <p:cNvSpPr txBox="1"/>
           <p:nvPr>
             <p:ph idx="1" type="body"/>
@@ -4633,7 +4650,7 @@
             </a:pPr>
             <a:r>
               <a:rPr lang="en"/>
-              <a:t>Secure passwords with only one key</a:t>
+              <a:t>Log-in requires a key every time</a:t>
             </a:r>
           </a:p>
           <a:p>
@@ -4655,7 +4672,7 @@
             </a:pPr>
             <a:r>
               <a:rPr lang="en"/>
-              <a:t>Passwords cater to user requirements</a:t>
+              <a:t>Create, delete and edit accounts</a:t>
             </a:r>
           </a:p>
           <a:p>
@@ -4666,7 +4683,15 @@
             </a:pPr>
             <a:r>
               <a:rPr lang="en"/>
-              <a:t>Passwords correspond with account names</a:t>
+              <a:t>Passwords </a:t>
+            </a:r>
+            <a:r>
+              <a:rPr lang="en"/>
+              <a:t>accommodate</a:t>
+            </a:r>
+            <a:r>
+              <a:rPr lang="en"/>
+              <a:t> user requirements</a:t>
             </a:r>
           </a:p>
           <a:p>
@@ -4677,40 +4702,7 @@
             </a:pPr>
             <a:r>
               <a:rPr lang="en"/>
-              <a:t>Create and delete accounts</a:t>
-            </a:r>
-          </a:p>
-          <a:p>
-            <a:pPr indent="-228600" lvl="0" marL="457200" rtl="0">
-              <a:spcBef>
-                <a:spcPts val="0"/>
-              </a:spcBef>
-            </a:pPr>
-            <a:r>
-              <a:rPr lang="en"/>
-              <a:t>Security answers</a:t>
-            </a:r>
-          </a:p>
-          <a:p>
-            <a:pPr indent="-228600" lvl="0" marL="457200" rtl="0">
-              <a:spcBef>
-                <a:spcPts val="0"/>
-              </a:spcBef>
-            </a:pPr>
-            <a:r>
-              <a:rPr lang="en"/>
-              <a:t>Can update account/password info</a:t>
-            </a:r>
-          </a:p>
-          <a:p>
-            <a:pPr indent="-228600" lvl="0" marL="457200" rtl="0">
-              <a:spcBef>
-                <a:spcPts val="0"/>
-              </a:spcBef>
-            </a:pPr>
-            <a:r>
-              <a:rPr lang="en"/>
-              <a:t>Must re-enter password every time app is opened</a:t>
+              <a:t>Passwords have security answers</a:t>
             </a:r>
           </a:p>
           <a:p>
@@ -4726,6 +4718,34 @@
           </a:p>
         </p:txBody>
       </p:sp>
+      <p:pic>
+        <p:nvPicPr>
+          <p:cNvPr id="69" name="Shape 69"/>
+          <p:cNvPicPr preferRelativeResize="0"/>
+          <p:nvPr/>
+        </p:nvPicPr>
+        <p:blipFill>
+          <a:blip r:embed="rId3">
+            <a:alphaModFix/>
+          </a:blip>
+          <a:stretch>
+            <a:fillRect/>
+          </a:stretch>
+        </p:blipFill>
+        <p:spPr>
+          <a:xfrm>
+            <a:off x="5639725" y="1403925"/>
+            <a:ext cx="3007650" cy="3007650"/>
+          </a:xfrm>
+          <a:prstGeom prst="rect">
+            <a:avLst/>
+          </a:prstGeom>
+          <a:noFill/>
+          <a:ln>
+            <a:noFill/>
+          </a:ln>
+        </p:spPr>
+      </p:pic>
     </p:spTree>
   </p:cSld>
   <p:clrMapOvr>
@@ -4739,7 +4759,7 @@
   <p:cSld>
     <p:spTree>
       <p:nvGrpSpPr>
-        <p:cNvPr id="71" name="Shape 71"/>
+        <p:cNvPr id="73" name="Shape 73"/>
         <p:cNvGrpSpPr/>
         <p:nvPr/>
       </p:nvGrpSpPr>
@@ -4753,7 +4773,7 @@
       </p:grpSpPr>
       <p:sp>
         <p:nvSpPr>
-          <p:cNvPr id="72" name="Shape 72"/>
+          <p:cNvPr id="74" name="Shape 74"/>
           <p:cNvSpPr txBox="1"/>
           <p:nvPr>
             <p:ph type="title"/>
@@ -4789,7 +4809,7 @@
       </p:sp>
       <p:sp>
         <p:nvSpPr>
-          <p:cNvPr id="73" name="Shape 73"/>
+          <p:cNvPr id="75" name="Shape 75"/>
           <p:cNvSpPr txBox="1"/>
           <p:nvPr>
             <p:ph idx="1" type="body"/>
@@ -4823,6 +4843,118 @@
           </a:p>
         </p:txBody>
       </p:sp>
+      <p:pic>
+        <p:nvPicPr>
+          <p:cNvPr id="76" name="Shape 76"/>
+          <p:cNvPicPr preferRelativeResize="0"/>
+          <p:nvPr/>
+        </p:nvPicPr>
+        <p:blipFill>
+          <a:blip r:embed="rId3">
+            <a:alphaModFix/>
+          </a:blip>
+          <a:stretch>
+            <a:fillRect/>
+          </a:stretch>
+        </p:blipFill>
+        <p:spPr>
+          <a:xfrm>
+            <a:off x="311700" y="1152475"/>
+            <a:ext cx="2130123" cy="3851424"/>
+          </a:xfrm>
+          <a:prstGeom prst="rect">
+            <a:avLst/>
+          </a:prstGeom>
+          <a:noFill/>
+          <a:ln>
+            <a:noFill/>
+          </a:ln>
+        </p:spPr>
+      </p:pic>
+      <p:pic>
+        <p:nvPicPr>
+          <p:cNvPr id="77" name="Shape 77"/>
+          <p:cNvPicPr preferRelativeResize="0"/>
+          <p:nvPr/>
+        </p:nvPicPr>
+        <p:blipFill>
+          <a:blip r:embed="rId4">
+            <a:alphaModFix/>
+          </a:blip>
+          <a:stretch>
+            <a:fillRect/>
+          </a:stretch>
+        </p:blipFill>
+        <p:spPr>
+          <a:xfrm>
+            <a:off x="6702159" y="1152475"/>
+            <a:ext cx="2130123" cy="3851424"/>
+          </a:xfrm>
+          <a:prstGeom prst="rect">
+            <a:avLst/>
+          </a:prstGeom>
+          <a:noFill/>
+          <a:ln>
+            <a:noFill/>
+          </a:ln>
+        </p:spPr>
+      </p:pic>
+      <p:pic>
+        <p:nvPicPr>
+          <p:cNvPr id="78" name="Shape 78"/>
+          <p:cNvPicPr preferRelativeResize="0"/>
+          <p:nvPr/>
+        </p:nvPicPr>
+        <p:blipFill>
+          <a:blip r:embed="rId5">
+            <a:alphaModFix/>
+          </a:blip>
+          <a:stretch>
+            <a:fillRect/>
+          </a:stretch>
+        </p:blipFill>
+        <p:spPr>
+          <a:xfrm>
+            <a:off x="4572018" y="1152475"/>
+            <a:ext cx="2130123" cy="3851424"/>
+          </a:xfrm>
+          <a:prstGeom prst="rect">
+            <a:avLst/>
+          </a:prstGeom>
+          <a:noFill/>
+          <a:ln>
+            <a:noFill/>
+          </a:ln>
+        </p:spPr>
+      </p:pic>
+      <p:pic>
+        <p:nvPicPr>
+          <p:cNvPr id="79" name="Shape 79"/>
+          <p:cNvPicPr preferRelativeResize="0"/>
+          <p:nvPr/>
+        </p:nvPicPr>
+        <p:blipFill>
+          <a:blip r:embed="rId6">
+            <a:alphaModFix/>
+          </a:blip>
+          <a:stretch>
+            <a:fillRect/>
+          </a:stretch>
+        </p:blipFill>
+        <p:spPr>
+          <a:xfrm>
+            <a:off x="2441827" y="1152475"/>
+            <a:ext cx="2130123" cy="3851424"/>
+          </a:xfrm>
+          <a:prstGeom prst="rect">
+            <a:avLst/>
+          </a:prstGeom>
+          <a:noFill/>
+          <a:ln>
+            <a:noFill/>
+          </a:ln>
+        </p:spPr>
+      </p:pic>
     </p:spTree>
   </p:cSld>
   <p:clrMapOvr>
@@ -4832,135 +4964,6 @@
 </file>
 
 <file path=ppt/slides/slide5.xml><?xml version="1.0" encoding="utf-8"?>
-<p:sld xmlns:a="http://schemas.openxmlformats.org/drawingml/2006/main" xmlns:r="http://schemas.openxmlformats.org/officeDocument/2006/relationships" xmlns:mc="http://schemas.openxmlformats.org/markup-compatibility/2006" xmlns:mv="urn:schemas-microsoft-com:mac:vml" xmlns:p="http://schemas.openxmlformats.org/presentationml/2006/main" xmlns:c="http://schemas.openxmlformats.org/drawingml/2006/chart" xmlns:dgm="http://schemas.openxmlformats.org/drawingml/2006/diagram" xmlns:o="urn:schemas-microsoft-com:office:office" xmlns:v="urn:schemas-microsoft-com:vml" xmlns:pvml="urn:schemas-microsoft-com:office:powerpoint" xmlns:com="http://schemas.openxmlformats.org/drawingml/2006/compatibility" xmlns:p14="http://schemas.microsoft.com/office/powerpoint/2010/main">
-  <p:cSld>
-    <p:spTree>
-      <p:nvGrpSpPr>
-        <p:cNvPr id="77" name="Shape 77"/>
-        <p:cNvGrpSpPr/>
-        <p:nvPr/>
-      </p:nvGrpSpPr>
-      <p:grpSpPr>
-        <a:xfrm>
-          <a:off x="0" y="0"/>
-          <a:ext cx="0" cy="0"/>
-          <a:chOff x="0" y="0"/>
-          <a:chExt cx="0" cy="0"/>
-        </a:xfrm>
-      </p:grpSpPr>
-      <p:sp>
-        <p:nvSpPr>
-          <p:cNvPr id="78" name="Shape 78"/>
-          <p:cNvSpPr txBox="1"/>
-          <p:nvPr>
-            <p:ph type="title"/>
-          </p:nvPr>
-        </p:nvSpPr>
-        <p:spPr>
-          <a:xfrm>
-            <a:off x="311700" y="445025"/>
-            <a:ext cx="8520600" cy="572700"/>
-          </a:xfrm>
-          <a:prstGeom prst="rect">
-            <a:avLst/>
-          </a:prstGeom>
-        </p:spPr>
-        <p:txBody>
-          <a:bodyPr anchorCtr="0" anchor="t" bIns="91425" lIns="91425" rIns="91425" tIns="91425">
-            <a:noAutofit/>
-          </a:bodyPr>
-          <a:lstStyle/>
-          <a:p>
-            <a:pPr lvl="0">
-              <a:spcBef>
-                <a:spcPts val="0"/>
-              </a:spcBef>
-              <a:buNone/>
-            </a:pPr>
-            <a:r>
-              <a:rPr lang="en"/>
-              <a:t>User Scenarios</a:t>
-            </a:r>
-          </a:p>
-        </p:txBody>
-      </p:sp>
-      <p:sp>
-        <p:nvSpPr>
-          <p:cNvPr id="79" name="Shape 79"/>
-          <p:cNvSpPr txBox="1"/>
-          <p:nvPr>
-            <p:ph idx="1" type="body"/>
-          </p:nvPr>
-        </p:nvSpPr>
-        <p:spPr>
-          <a:xfrm>
-            <a:off x="199875" y="1184425"/>
-            <a:ext cx="8520600" cy="3416400"/>
-          </a:xfrm>
-          <a:prstGeom prst="rect">
-            <a:avLst/>
-          </a:prstGeom>
-        </p:spPr>
-        <p:txBody>
-          <a:bodyPr anchorCtr="0" anchor="t" bIns="91425" lIns="91425" rIns="91425" tIns="91425">
-            <a:noAutofit/>
-          </a:bodyPr>
-          <a:lstStyle/>
-          <a:p>
-            <a:pPr indent="-228600" lvl="0" marL="457200" rtl="0">
-              <a:spcBef>
-                <a:spcPts val="0"/>
-              </a:spcBef>
-            </a:pPr>
-            <a:r>
-              <a:rPr lang="en"/>
-              <a:t>If user has the same password for multiple accounts</a:t>
-            </a:r>
-          </a:p>
-          <a:p>
-            <a:pPr indent="-228600" lvl="0" marL="457200" rtl="0">
-              <a:spcBef>
-                <a:spcPts val="0"/>
-              </a:spcBef>
-            </a:pPr>
-            <a:r>
-              <a:rPr lang="en"/>
-              <a:t>User has difficulty remembering multiple passwords</a:t>
-            </a:r>
-          </a:p>
-          <a:p>
-            <a:pPr indent="-228600" lvl="0" marL="457200" rtl="0">
-              <a:spcBef>
-                <a:spcPts val="0"/>
-              </a:spcBef>
-            </a:pPr>
-            <a:r>
-              <a:rPr lang="en"/>
-              <a:t>User has quick and easy access to many passwords</a:t>
-            </a:r>
-          </a:p>
-          <a:p>
-            <a:pPr indent="-228600" lvl="0" marL="457200" rtl="0">
-              <a:spcBef>
-                <a:spcPts val="0"/>
-              </a:spcBef>
-            </a:pPr>
-            <a:r>
-              <a:t/>
-            </a:r>
-            <a:endParaRPr/>
-          </a:p>
-        </p:txBody>
-      </p:sp>
-    </p:spTree>
-  </p:cSld>
-  <p:clrMapOvr>
-    <a:masterClrMapping/>
-  </p:clrMapOvr>
-</p:sld>
-</file>
-
-<file path=ppt/slides/slide6.xml><?xml version="1.0" encoding="utf-8"?>
 <p:sld xmlns:a="http://schemas.openxmlformats.org/drawingml/2006/main" xmlns:r="http://schemas.openxmlformats.org/officeDocument/2006/relationships" xmlns:mc="http://schemas.openxmlformats.org/markup-compatibility/2006" xmlns:mv="urn:schemas-microsoft-com:mac:vml" xmlns:p="http://schemas.openxmlformats.org/presentationml/2006/main" xmlns:c="http://schemas.openxmlformats.org/drawingml/2006/chart" xmlns:dgm="http://schemas.openxmlformats.org/drawingml/2006/diagram" xmlns:o="urn:schemas-microsoft-com:office:office" xmlns:v="urn:schemas-microsoft-com:vml" xmlns:pvml="urn:schemas-microsoft-com:office:powerpoint" xmlns:com="http://schemas.openxmlformats.org/drawingml/2006/compatibility" xmlns:p14="http://schemas.microsoft.com/office/powerpoint/2010/main">
   <p:cSld>
     <p:spTree>
@@ -5008,7 +5011,7 @@
             </a:pPr>
             <a:r>
               <a:rPr lang="en"/>
-              <a:t>Experiences &amp; Lessons (chris sickler)</a:t>
+              <a:t>User Scenarios</a:t>
             </a:r>
           </a:p>
         </p:txBody>
@@ -5016,6 +5019,152 @@
       <p:sp>
         <p:nvSpPr>
           <p:cNvPr id="85" name="Shape 85"/>
+          <p:cNvSpPr txBox="1"/>
+          <p:nvPr>
+            <p:ph idx="1" type="body"/>
+          </p:nvPr>
+        </p:nvSpPr>
+        <p:spPr>
+          <a:xfrm>
+            <a:off x="199875" y="1184425"/>
+            <a:ext cx="8520600" cy="3416400"/>
+          </a:xfrm>
+          <a:prstGeom prst="rect">
+            <a:avLst/>
+          </a:prstGeom>
+        </p:spPr>
+        <p:txBody>
+          <a:bodyPr anchorCtr="0" anchor="t" bIns="91425" lIns="91425" rIns="91425" tIns="91425">
+            <a:noAutofit/>
+          </a:bodyPr>
+          <a:lstStyle/>
+          <a:p>
+            <a:pPr indent="-228600" lvl="0" marL="457200" rtl="0">
+              <a:spcBef>
+                <a:spcPts val="0"/>
+              </a:spcBef>
+            </a:pPr>
+            <a:r>
+              <a:rPr lang="en"/>
+              <a:t>If user uses one password for every account they own</a:t>
+            </a:r>
+          </a:p>
+          <a:p>
+            <a:pPr indent="-228600" lvl="0" marL="457200" rtl="0">
+              <a:spcBef>
+                <a:spcPts val="0"/>
+              </a:spcBef>
+            </a:pPr>
+            <a:r>
+              <a:rPr lang="en"/>
+              <a:t>If user switches between guest computers constantly</a:t>
+            </a:r>
+          </a:p>
+          <a:p>
+            <a:pPr indent="-228600" lvl="0" marL="457200" rtl="0">
+              <a:spcBef>
+                <a:spcPts val="0"/>
+              </a:spcBef>
+            </a:pPr>
+            <a:r>
+              <a:rPr lang="en"/>
+              <a:t>User has quick and easy access to many passwords</a:t>
+            </a:r>
+          </a:p>
+        </p:txBody>
+      </p:sp>
+      <p:pic>
+        <p:nvPicPr>
+          <p:cNvPr id="86" name="Shape 86"/>
+          <p:cNvPicPr preferRelativeResize="0"/>
+          <p:nvPr/>
+        </p:nvPicPr>
+        <p:blipFill>
+          <a:blip r:embed="rId3">
+            <a:alphaModFix/>
+          </a:blip>
+          <a:stretch>
+            <a:fillRect/>
+          </a:stretch>
+        </p:blipFill>
+        <p:spPr>
+          <a:xfrm>
+            <a:off x="2687475" y="2723875"/>
+            <a:ext cx="2815424" cy="1876949"/>
+          </a:xfrm>
+          <a:prstGeom prst="rect">
+            <a:avLst/>
+          </a:prstGeom>
+          <a:noFill/>
+          <a:ln>
+            <a:noFill/>
+          </a:ln>
+        </p:spPr>
+      </p:pic>
+    </p:spTree>
+  </p:cSld>
+  <p:clrMapOvr>
+    <a:masterClrMapping/>
+  </p:clrMapOvr>
+</p:sld>
+</file>
+
+<file path=ppt/slides/slide6.xml><?xml version="1.0" encoding="utf-8"?>
+<p:sld xmlns:a="http://schemas.openxmlformats.org/drawingml/2006/main" xmlns:r="http://schemas.openxmlformats.org/officeDocument/2006/relationships" xmlns:mc="http://schemas.openxmlformats.org/markup-compatibility/2006" xmlns:mv="urn:schemas-microsoft-com:mac:vml" xmlns:p="http://schemas.openxmlformats.org/presentationml/2006/main" xmlns:c="http://schemas.openxmlformats.org/drawingml/2006/chart" xmlns:dgm="http://schemas.openxmlformats.org/drawingml/2006/diagram" xmlns:o="urn:schemas-microsoft-com:office:office" xmlns:v="urn:schemas-microsoft-com:vml" xmlns:pvml="urn:schemas-microsoft-com:office:powerpoint" xmlns:com="http://schemas.openxmlformats.org/drawingml/2006/compatibility" xmlns:p14="http://schemas.microsoft.com/office/powerpoint/2010/main">
+  <p:cSld>
+    <p:spTree>
+      <p:nvGrpSpPr>
+        <p:cNvPr id="90" name="Shape 90"/>
+        <p:cNvGrpSpPr/>
+        <p:nvPr/>
+      </p:nvGrpSpPr>
+      <p:grpSpPr>
+        <a:xfrm>
+          <a:off x="0" y="0"/>
+          <a:ext cx="0" cy="0"/>
+          <a:chOff x="0" y="0"/>
+          <a:chExt cx="0" cy="0"/>
+        </a:xfrm>
+      </p:grpSpPr>
+      <p:sp>
+        <p:nvSpPr>
+          <p:cNvPr id="91" name="Shape 91"/>
+          <p:cNvSpPr txBox="1"/>
+          <p:nvPr>
+            <p:ph type="title"/>
+          </p:nvPr>
+        </p:nvSpPr>
+        <p:spPr>
+          <a:xfrm>
+            <a:off x="311700" y="445025"/>
+            <a:ext cx="8520600" cy="572700"/>
+          </a:xfrm>
+          <a:prstGeom prst="rect">
+            <a:avLst/>
+          </a:prstGeom>
+        </p:spPr>
+        <p:txBody>
+          <a:bodyPr anchorCtr="0" anchor="t" bIns="91425" lIns="91425" rIns="91425" tIns="91425">
+            <a:noAutofit/>
+          </a:bodyPr>
+          <a:lstStyle/>
+          <a:p>
+            <a:pPr lvl="0">
+              <a:spcBef>
+                <a:spcPts val="0"/>
+              </a:spcBef>
+              <a:buNone/>
+            </a:pPr>
+            <a:r>
+              <a:rPr lang="en"/>
+              <a:t>Experiences &amp; Lessons</a:t>
+            </a:r>
+          </a:p>
+        </p:txBody>
+      </p:sp>
+      <p:sp>
+        <p:nvSpPr>
+          <p:cNvPr id="92" name="Shape 92"/>
           <p:cNvSpPr txBox="1"/>
           <p:nvPr>
             <p:ph idx="1" type="body"/>
@@ -5044,7 +5193,7 @@
             </a:pPr>
             <a:r>
               <a:rPr lang="en"/>
-              <a:t>Android UI</a:t>
+              <a:t>Android Studio, UI Development</a:t>
             </a:r>
           </a:p>
           <a:p>
@@ -5095,20 +5244,64 @@
               <a:t>Project Management</a:t>
             </a:r>
           </a:p>
-          <a:p>
-            <a:pPr indent="-304800" lvl="0" marL="457200" rtl="0">
-              <a:spcBef>
-                <a:spcPts val="0"/>
-              </a:spcBef>
-              <a:buSzPct val="66666"/>
-            </a:pPr>
-            <a:r>
-              <a:t/>
-            </a:r>
-            <a:endParaRPr/>
-          </a:p>
         </p:txBody>
       </p:sp>
+      <p:pic>
+        <p:nvPicPr>
+          <p:cNvPr id="93" name="Shape 93"/>
+          <p:cNvPicPr preferRelativeResize="0"/>
+          <p:nvPr/>
+        </p:nvPicPr>
+        <p:blipFill>
+          <a:blip r:embed="rId3">
+            <a:alphaModFix/>
+          </a:blip>
+          <a:stretch>
+            <a:fillRect/>
+          </a:stretch>
+        </p:blipFill>
+        <p:spPr>
+          <a:xfrm>
+            <a:off x="674150" y="3076700"/>
+            <a:ext cx="3582824" cy="1791400"/>
+          </a:xfrm>
+          <a:prstGeom prst="rect">
+            <a:avLst/>
+          </a:prstGeom>
+          <a:noFill/>
+          <a:ln>
+            <a:noFill/>
+          </a:ln>
+        </p:spPr>
+      </p:pic>
+      <p:pic>
+        <p:nvPicPr>
+          <p:cNvPr id="94" name="Shape 94"/>
+          <p:cNvPicPr preferRelativeResize="0"/>
+          <p:nvPr/>
+        </p:nvPicPr>
+        <p:blipFill>
+          <a:blip r:embed="rId4">
+            <a:alphaModFix/>
+          </a:blip>
+          <a:stretch>
+            <a:fillRect/>
+          </a:stretch>
+        </p:blipFill>
+        <p:spPr>
+          <a:xfrm>
+            <a:off x="4694225" y="3076694"/>
+            <a:ext cx="3412191" cy="1791400"/>
+          </a:xfrm>
+          <a:prstGeom prst="rect">
+            <a:avLst/>
+          </a:prstGeom>
+          <a:noFill/>
+          <a:ln>
+            <a:noFill/>
+          </a:ln>
+        </p:spPr>
+      </p:pic>
     </p:spTree>
   </p:cSld>
   <p:clrMapOvr>
@@ -5122,7 +5315,7 @@
   <p:cSld>
     <p:spTree>
       <p:nvGrpSpPr>
-        <p:cNvPr id="89" name="Shape 89"/>
+        <p:cNvPr id="98" name="Shape 98"/>
         <p:cNvGrpSpPr/>
         <p:nvPr/>
       </p:nvGrpSpPr>
@@ -5136,7 +5329,7 @@
       </p:grpSpPr>
       <p:sp>
         <p:nvSpPr>
-          <p:cNvPr id="90" name="Shape 90"/>
+          <p:cNvPr id="99" name="Shape 99"/>
           <p:cNvSpPr txBox="1"/>
           <p:nvPr>
             <p:ph type="title"/>
@@ -5165,14 +5358,14 @@
             </a:pPr>
             <a:r>
               <a:rPr lang="en"/>
-              <a:t>Marketing (potential ideas) (andrew)</a:t>
+              <a:t>Marketing</a:t>
             </a:r>
           </a:p>
         </p:txBody>
       </p:sp>
       <p:sp>
         <p:nvSpPr>
-          <p:cNvPr id="91" name="Shape 91"/>
+          <p:cNvPr id="100" name="Shape 100"/>
           <p:cNvSpPr txBox="1"/>
           <p:nvPr>
             <p:ph idx="1" type="body"/>
@@ -5211,7 +5404,7 @@
             </a:pPr>
             <a:r>
               <a:rPr lang="en"/>
-              <a:t>Promo videos</a:t>
+              <a:t>Create Facebook page</a:t>
             </a:r>
           </a:p>
           <a:p>
@@ -5269,30 +5462,64 @@
               <a:t>Send to tech bloggers</a:t>
             </a:r>
           </a:p>
-          <a:p>
-            <a:pPr indent="-228600" lvl="0" marL="457200" rtl="0">
-              <a:spcBef>
-                <a:spcPts val="0"/>
-              </a:spcBef>
-            </a:pPr>
-            <a:r>
-              <a:rPr lang="en"/>
-              <a:t>Weekly podcast</a:t>
-            </a:r>
-          </a:p>
-          <a:p>
-            <a:pPr indent="-228600" lvl="0" marL="457200" rtl="0">
-              <a:spcBef>
-                <a:spcPts val="0"/>
-              </a:spcBef>
-            </a:pPr>
-            <a:r>
-              <a:rPr lang="en"/>
-              <a:t>Create Facebook page</a:t>
-            </a:r>
-          </a:p>
         </p:txBody>
       </p:sp>
+      <p:pic>
+        <p:nvPicPr>
+          <p:cNvPr id="101" name="Shape 101"/>
+          <p:cNvPicPr preferRelativeResize="0"/>
+          <p:nvPr/>
+        </p:nvPicPr>
+        <p:blipFill>
+          <a:blip r:embed="rId3">
+            <a:alphaModFix/>
+          </a:blip>
+          <a:stretch>
+            <a:fillRect/>
+          </a:stretch>
+        </p:blipFill>
+        <p:spPr>
+          <a:xfrm>
+            <a:off x="4789425" y="1017725"/>
+            <a:ext cx="3165424" cy="2110275"/>
+          </a:xfrm>
+          <a:prstGeom prst="rect">
+            <a:avLst/>
+          </a:prstGeom>
+          <a:noFill/>
+          <a:ln>
+            <a:noFill/>
+          </a:ln>
+        </p:spPr>
+      </p:pic>
+      <p:pic>
+        <p:nvPicPr>
+          <p:cNvPr id="102" name="Shape 102"/>
+          <p:cNvPicPr preferRelativeResize="0"/>
+          <p:nvPr/>
+        </p:nvPicPr>
+        <p:blipFill>
+          <a:blip r:embed="rId4">
+            <a:alphaModFix/>
+          </a:blip>
+          <a:stretch>
+            <a:fillRect/>
+          </a:stretch>
+        </p:blipFill>
+        <p:spPr>
+          <a:xfrm>
+            <a:off x="4789425" y="2912974"/>
+            <a:ext cx="2729950" cy="2047474"/>
+          </a:xfrm>
+          <a:prstGeom prst="rect">
+            <a:avLst/>
+          </a:prstGeom>
+          <a:noFill/>
+          <a:ln>
+            <a:noFill/>
+          </a:ln>
+        </p:spPr>
+      </p:pic>
     </p:spTree>
   </p:cSld>
   <p:clrMapOvr>
